--- a/Dokumentácia a propagácia/Vizitka.pptx
+++ b/Dokumentácia a propagácia/Vizitka.pptx
@@ -289,7 +289,7 @@
           <a:p>
             <a:fld id="{5E28B8C9-4389-49D8-BFC7-E28ABADBD2D2}" type="datetimeFigureOut">
               <a:rPr lang="en-US" smtClean="0"/>
-              <a:t>10/8/2017</a:t>
+              <a:t>10/10/2017</a:t>
             </a:fld>
             <a:endParaRPr lang="en-US"/>
           </a:p>
@@ -459,7 +459,7 @@
           <a:p>
             <a:fld id="{5E28B8C9-4389-49D8-BFC7-E28ABADBD2D2}" type="datetimeFigureOut">
               <a:rPr lang="en-US" smtClean="0"/>
-              <a:t>10/8/2017</a:t>
+              <a:t>10/10/2017</a:t>
             </a:fld>
             <a:endParaRPr lang="en-US"/>
           </a:p>
@@ -639,7 +639,7 @@
           <a:p>
             <a:fld id="{5E28B8C9-4389-49D8-BFC7-E28ABADBD2D2}" type="datetimeFigureOut">
               <a:rPr lang="en-US" smtClean="0"/>
-              <a:t>10/8/2017</a:t>
+              <a:t>10/10/2017</a:t>
             </a:fld>
             <a:endParaRPr lang="en-US"/>
           </a:p>
@@ -809,7 +809,7 @@
           <a:p>
             <a:fld id="{5E28B8C9-4389-49D8-BFC7-E28ABADBD2D2}" type="datetimeFigureOut">
               <a:rPr lang="en-US" smtClean="0"/>
-              <a:t>10/8/2017</a:t>
+              <a:t>10/10/2017</a:t>
             </a:fld>
             <a:endParaRPr lang="en-US"/>
           </a:p>
@@ -1055,7 +1055,7 @@
           <a:p>
             <a:fld id="{5E28B8C9-4389-49D8-BFC7-E28ABADBD2D2}" type="datetimeFigureOut">
               <a:rPr lang="en-US" smtClean="0"/>
-              <a:t>10/8/2017</a:t>
+              <a:t>10/10/2017</a:t>
             </a:fld>
             <a:endParaRPr lang="en-US"/>
           </a:p>
@@ -1343,7 +1343,7 @@
           <a:p>
             <a:fld id="{5E28B8C9-4389-49D8-BFC7-E28ABADBD2D2}" type="datetimeFigureOut">
               <a:rPr lang="en-US" smtClean="0"/>
-              <a:t>10/8/2017</a:t>
+              <a:t>10/10/2017</a:t>
             </a:fld>
             <a:endParaRPr lang="en-US"/>
           </a:p>
@@ -1770,7 +1770,7 @@
           <a:p>
             <a:fld id="{5E28B8C9-4389-49D8-BFC7-E28ABADBD2D2}" type="datetimeFigureOut">
               <a:rPr lang="en-US" smtClean="0"/>
-              <a:t>10/8/2017</a:t>
+              <a:t>10/10/2017</a:t>
             </a:fld>
             <a:endParaRPr lang="en-US"/>
           </a:p>
@@ -1888,7 +1888,7 @@
           <a:p>
             <a:fld id="{5E28B8C9-4389-49D8-BFC7-E28ABADBD2D2}" type="datetimeFigureOut">
               <a:rPr lang="en-US" smtClean="0"/>
-              <a:t>10/8/2017</a:t>
+              <a:t>10/10/2017</a:t>
             </a:fld>
             <a:endParaRPr lang="en-US"/>
           </a:p>
@@ -1983,7 +1983,7 @@
           <a:p>
             <a:fld id="{5E28B8C9-4389-49D8-BFC7-E28ABADBD2D2}" type="datetimeFigureOut">
               <a:rPr lang="en-US" smtClean="0"/>
-              <a:t>10/8/2017</a:t>
+              <a:t>10/10/2017</a:t>
             </a:fld>
             <a:endParaRPr lang="en-US"/>
           </a:p>
@@ -2260,7 +2260,7 @@
           <a:p>
             <a:fld id="{5E28B8C9-4389-49D8-BFC7-E28ABADBD2D2}" type="datetimeFigureOut">
               <a:rPr lang="en-US" smtClean="0"/>
-              <a:t>10/8/2017</a:t>
+              <a:t>10/10/2017</a:t>
             </a:fld>
             <a:endParaRPr lang="en-US"/>
           </a:p>
@@ -2513,7 +2513,7 @@
           <a:p>
             <a:fld id="{5E28B8C9-4389-49D8-BFC7-E28ABADBD2D2}" type="datetimeFigureOut">
               <a:rPr lang="en-US" smtClean="0"/>
-              <a:t>10/8/2017</a:t>
+              <a:t>10/10/2017</a:t>
             </a:fld>
             <a:endParaRPr lang="en-US"/>
           </a:p>
@@ -2726,7 +2726,7 @@
           <a:p>
             <a:fld id="{5E28B8C9-4389-49D8-BFC7-E28ABADBD2D2}" type="datetimeFigureOut">
               <a:rPr lang="en-US" smtClean="0"/>
-              <a:t>10/8/2017</a:t>
+              <a:t>10/10/2017</a:t>
             </a:fld>
             <a:endParaRPr lang="en-US"/>
           </a:p>
@@ -3110,7 +3110,7 @@
         <p:spPr>
           <a:xfrm>
             <a:off x="0" y="138232"/>
-            <a:ext cx="3240088" cy="1661993"/>
+            <a:ext cx="3240088" cy="1700466"/>
           </a:xfrm>
           <a:prstGeom prst="rect">
             <a:avLst/>
@@ -3134,31 +3134,37 @@
             </a:r>
           </a:p>
           <a:p>
-            <a:pPr lvl="1" algn="r"/>
-            <a:r>
-              <a:rPr lang="sk-SK" sz="1800" dirty="0" smtClean="0">
+            <a:pPr algn="r"/>
+            <a:r>
+              <a:rPr lang="sk-SK" sz="1050" dirty="0" smtClean="0">
                 <a:solidFill>
                   <a:srgbClr val="00B0F0"/>
                 </a:solidFill>
               </a:rPr>
-              <a:t>Tím </a:t>
-            </a:r>
-            <a:r>
-              <a:rPr lang="sk-SK" sz="1800" dirty="0" err="1" smtClean="0">
+              <a:t>Stanislav Jochman</a:t>
+            </a:r>
+          </a:p>
+          <a:p>
+            <a:pPr algn="r"/>
+            <a:r>
+              <a:rPr lang="sk-SK" sz="1000">
                 <a:solidFill>
                   <a:srgbClr val="00B0F0"/>
                 </a:solidFill>
               </a:rPr>
-              <a:t>GalejeNextGen</a:t>
-            </a:r>
-            <a:endParaRPr lang="sk-SK" sz="1800" dirty="0" smtClean="0">
-              <a:solidFill>
-                <a:srgbClr val="00B0F0"/>
-              </a:solidFill>
-            </a:endParaRPr>
-          </a:p>
-          <a:p>
-            <a:pPr lvl="1"/>
+              <a:t>Veronika </a:t>
+            </a:r>
+            <a:r>
+              <a:rPr lang="sk-SK" sz="1000" smtClean="0">
+                <a:solidFill>
+                  <a:srgbClr val="00B0F0"/>
+                </a:solidFill>
+              </a:rPr>
+              <a:t>Nemjová</a:t>
+            </a:r>
+          </a:p>
+          <a:p>
+            <a:pPr algn="r"/>
             <a:endParaRPr lang="sk-SK" sz="1000" dirty="0" smtClean="0">
               <a:solidFill>
                 <a:srgbClr val="00B0F0"/>
@@ -3166,7 +3172,7 @@
             </a:endParaRPr>
           </a:p>
           <a:p>
-            <a:pPr lvl="1" algn="ctr"/>
+            <a:pPr lvl="1" algn="r"/>
             <a:r>
               <a:rPr lang="sk-SK" sz="1000" dirty="0" smtClean="0">
                 <a:solidFill>
@@ -3180,7 +3186,7 @@
               <a:t> </a:t>
             </a:r>
             <a:r>
-              <a:rPr lang="sk-SK" sz="1000" dirty="0" err="1" smtClean="0">
+              <a:rPr lang="sk-SK" sz="1000" dirty="0" smtClean="0">
                 <a:solidFill>
                   <a:srgbClr val="00B0F0"/>
                 </a:solidFill>
@@ -3189,7 +3195,23 @@
             </a:r>
             <a:r>
               <a:rPr lang="sk-SK" sz="1000" dirty="0" smtClean="0"/>
-              <a:t> 		Gymnázium Alejová</a:t>
+              <a:t> 	</a:t>
+            </a:r>
+            <a:r>
+              <a:rPr lang="sk-SK" sz="1000" dirty="0"/>
+              <a:t> </a:t>
+            </a:r>
+            <a:r>
+              <a:rPr lang="sk-SK" sz="1000" dirty="0" smtClean="0"/>
+              <a:t>       </a:t>
+            </a:r>
+            <a:r>
+              <a:rPr lang="sk-SK" sz="1000" dirty="0" smtClean="0"/>
+              <a:t>Gymnázium, </a:t>
+            </a:r>
+            <a:r>
+              <a:rPr lang="sk-SK" sz="1000" dirty="0" smtClean="0"/>
+              <a:t>Alejová</a:t>
             </a:r>
           </a:p>
           <a:p>
@@ -3372,7 +3394,15 @@
                   <a:srgbClr val="0070C0"/>
                 </a:solidFill>
               </a:rPr>
-              <a:t>„Robot Cing“ :</a:t>
+              <a:t>„Cing</a:t>
+            </a:r>
+            <a:r>
+              <a:rPr lang="sk-SK" sz="1500" b="1" dirty="0" smtClean="0">
+                <a:solidFill>
+                  <a:srgbClr val="0070C0"/>
+                </a:solidFill>
+              </a:rPr>
+              <a:t>“ :</a:t>
             </a:r>
           </a:p>
           <a:p>
@@ -3383,21 +3413,8 @@
                   <a:srgbClr val="00B0F0"/>
                 </a:solidFill>
               </a:rPr>
-              <a:t>Veronika </a:t>
-            </a:r>
-            <a:r>
-              <a:rPr lang="sk-SK" sz="1500" dirty="0" err="1" smtClean="0">
-                <a:solidFill>
-                  <a:srgbClr val="00B0F0"/>
-                </a:solidFill>
-              </a:rPr>
-              <a:t>Nemjová</a:t>
-            </a:r>
-            <a:endParaRPr lang="sk-SK" sz="1500" dirty="0" smtClean="0">
-              <a:solidFill>
-                <a:srgbClr val="00B0F0"/>
-              </a:solidFill>
-            </a:endParaRPr>
+              <a:t>Veronika Nemjová</a:t>
+            </a:r>
           </a:p>
           <a:p>
             <a:pPr algn="ctr"/>
@@ -3407,21 +3424,8 @@
                   <a:srgbClr val="00B0F0"/>
                 </a:solidFill>
               </a:rPr>
-              <a:t>Stanislav </a:t>
-            </a:r>
-            <a:r>
-              <a:rPr lang="sk-SK" sz="1500" dirty="0" err="1" smtClean="0">
-                <a:solidFill>
-                  <a:srgbClr val="00B0F0"/>
-                </a:solidFill>
-              </a:rPr>
-              <a:t>Jochman</a:t>
-            </a:r>
-            <a:endParaRPr lang="sk-SK" sz="1500" dirty="0" smtClean="0">
-              <a:solidFill>
-                <a:srgbClr val="00B0F0"/>
-              </a:solidFill>
-            </a:endParaRPr>
+              <a:t>Stanislav Jochman</a:t>
+            </a:r>
           </a:p>
           <a:p>
             <a:pPr algn="ctr"/>
